--- a/ClassMaterials/IntroToGraphics/Slides/Exam1-Prep.pptx
+++ b/ClassMaterials/IntroToGraphics/Slides/Exam1-Prep.pptx
@@ -265,7 +265,7 @@
           <a:p>
             <a:fld id="{13A3C157-BD0B-4164-8F04-95FC9C882640}" type="datetimeFigureOut">
               <a:rPr lang="en-US" smtClean="0"/>
-              <a:t>3/24/2022</a:t>
+              <a:t>11/22/2022</a:t>
             </a:fld>
             <a:endParaRPr lang="en-US"/>
           </a:p>
@@ -463,7 +463,7 @@
           <a:p>
             <a:fld id="{13A3C157-BD0B-4164-8F04-95FC9C882640}" type="datetimeFigureOut">
               <a:rPr lang="en-US" smtClean="0"/>
-              <a:t>3/24/2022</a:t>
+              <a:t>11/22/2022</a:t>
             </a:fld>
             <a:endParaRPr lang="en-US"/>
           </a:p>
@@ -671,7 +671,7 @@
           <a:p>
             <a:fld id="{13A3C157-BD0B-4164-8F04-95FC9C882640}" type="datetimeFigureOut">
               <a:rPr lang="en-US" smtClean="0"/>
-              <a:t>3/24/2022</a:t>
+              <a:t>11/22/2022</a:t>
             </a:fld>
             <a:endParaRPr lang="en-US"/>
           </a:p>
@@ -869,7 +869,7 @@
           <a:p>
             <a:fld id="{13A3C157-BD0B-4164-8F04-95FC9C882640}" type="datetimeFigureOut">
               <a:rPr lang="en-US" smtClean="0"/>
-              <a:t>3/24/2022</a:t>
+              <a:t>11/22/2022</a:t>
             </a:fld>
             <a:endParaRPr lang="en-US"/>
           </a:p>
@@ -1144,7 +1144,7 @@
           <a:p>
             <a:fld id="{13A3C157-BD0B-4164-8F04-95FC9C882640}" type="datetimeFigureOut">
               <a:rPr lang="en-US" smtClean="0"/>
-              <a:t>3/24/2022</a:t>
+              <a:t>11/22/2022</a:t>
             </a:fld>
             <a:endParaRPr lang="en-US"/>
           </a:p>
@@ -1409,7 +1409,7 @@
           <a:p>
             <a:fld id="{13A3C157-BD0B-4164-8F04-95FC9C882640}" type="datetimeFigureOut">
               <a:rPr lang="en-US" smtClean="0"/>
-              <a:t>3/24/2022</a:t>
+              <a:t>11/22/2022</a:t>
             </a:fld>
             <a:endParaRPr lang="en-US"/>
           </a:p>
@@ -1821,7 +1821,7 @@
           <a:p>
             <a:fld id="{13A3C157-BD0B-4164-8F04-95FC9C882640}" type="datetimeFigureOut">
               <a:rPr lang="en-US" smtClean="0"/>
-              <a:t>3/24/2022</a:t>
+              <a:t>11/22/2022</a:t>
             </a:fld>
             <a:endParaRPr lang="en-US"/>
           </a:p>
@@ -1962,7 +1962,7 @@
           <a:p>
             <a:fld id="{13A3C157-BD0B-4164-8F04-95FC9C882640}" type="datetimeFigureOut">
               <a:rPr lang="en-US" smtClean="0"/>
-              <a:t>3/24/2022</a:t>
+              <a:t>11/22/2022</a:t>
             </a:fld>
             <a:endParaRPr lang="en-US"/>
           </a:p>
@@ -2075,7 +2075,7 @@
           <a:p>
             <a:fld id="{13A3C157-BD0B-4164-8F04-95FC9C882640}" type="datetimeFigureOut">
               <a:rPr lang="en-US" smtClean="0"/>
-              <a:t>3/24/2022</a:t>
+              <a:t>11/22/2022</a:t>
             </a:fld>
             <a:endParaRPr lang="en-US"/>
           </a:p>
@@ -2386,7 +2386,7 @@
           <a:p>
             <a:fld id="{13A3C157-BD0B-4164-8F04-95FC9C882640}" type="datetimeFigureOut">
               <a:rPr lang="en-US" smtClean="0"/>
-              <a:t>3/24/2022</a:t>
+              <a:t>11/22/2022</a:t>
             </a:fld>
             <a:endParaRPr lang="en-US"/>
           </a:p>
@@ -2674,7 +2674,7 @@
           <a:p>
             <a:fld id="{13A3C157-BD0B-4164-8F04-95FC9C882640}" type="datetimeFigureOut">
               <a:rPr lang="en-US" smtClean="0"/>
-              <a:t>3/24/2022</a:t>
+              <a:t>11/22/2022</a:t>
             </a:fld>
             <a:endParaRPr lang="en-US"/>
           </a:p>
@@ -2915,7 +2915,7 @@
           <a:p>
             <a:fld id="{13A3C157-BD0B-4164-8F04-95FC9C882640}" type="datetimeFigureOut">
               <a:rPr lang="en-US" smtClean="0"/>
-              <a:t>3/24/2022</a:t>
+              <a:t>11/22/2022</a:t>
             </a:fld>
             <a:endParaRPr lang="en-US"/>
           </a:p>
@@ -4165,10 +4165,10 @@
       </p:sp>
       <p:pic>
         <p:nvPicPr>
-          <p:cNvPr id="7" name="Picture 6">
-            <a:extLst>
-              <a:ext uri="{FF2B5EF4-FFF2-40B4-BE49-F238E27FC236}">
-                <a16:creationId xmlns:a16="http://schemas.microsoft.com/office/drawing/2014/main" id="{2B5F189F-241A-4A32-AA63-8AAC683637FF}"/>
+          <p:cNvPr id="6" name="Picture 5">
+            <a:extLst>
+              <a:ext uri="{FF2B5EF4-FFF2-40B4-BE49-F238E27FC236}">
+                <a16:creationId xmlns:a16="http://schemas.microsoft.com/office/drawing/2014/main" id="{5E074F94-EBA3-AD48-2851-EB39E8CB2F5D}"/>
               </a:ext>
             </a:extLst>
           </p:cNvPr>
@@ -4185,8 +4185,8 @@
         </p:blipFill>
         <p:spPr>
           <a:xfrm>
-            <a:off x="1481892" y="4874469"/>
-            <a:ext cx="8925887" cy="1983531"/>
+            <a:off x="1414603" y="4305970"/>
+            <a:ext cx="8161045" cy="2204160"/>
           </a:xfrm>
           <a:prstGeom prst="rect">
             <a:avLst/>
@@ -4195,10 +4195,10 @@
       </p:pic>
       <p:pic>
         <p:nvPicPr>
-          <p:cNvPr id="5" name="Picture 4">
-            <a:extLst>
-              <a:ext uri="{FF2B5EF4-FFF2-40B4-BE49-F238E27FC236}">
-                <a16:creationId xmlns:a16="http://schemas.microsoft.com/office/drawing/2014/main" id="{0D5061A3-0FEA-405E-9058-081D7F031BAE}"/>
+          <p:cNvPr id="9" name="Picture 8">
+            <a:extLst>
+              <a:ext uri="{FF2B5EF4-FFF2-40B4-BE49-F238E27FC236}">
+                <a16:creationId xmlns:a16="http://schemas.microsoft.com/office/drawing/2014/main" id="{E7E65741-010A-7949-5752-63D1E3DED870}"/>
               </a:ext>
             </a:extLst>
           </p:cNvPr>
@@ -4215,8 +4215,8 @@
         </p:blipFill>
         <p:spPr>
           <a:xfrm>
-            <a:off x="339227" y="1738269"/>
-            <a:ext cx="11513545" cy="3193657"/>
+            <a:off x="0" y="2184849"/>
+            <a:ext cx="12192000" cy="1872075"/>
           </a:xfrm>
           <a:prstGeom prst="rect">
             <a:avLst/>

--- a/ClassMaterials/IntroToGraphics/Slides/Exam1-Prep.pptx
+++ b/ClassMaterials/IntroToGraphics/Slides/Exam1-Prep.pptx
@@ -265,7 +265,7 @@
           <a:p>
             <a:fld id="{13A3C157-BD0B-4164-8F04-95FC9C882640}" type="datetimeFigureOut">
               <a:rPr lang="en-US" smtClean="0"/>
-              <a:t>11/22/2022</a:t>
+              <a:t>12/12/2022</a:t>
             </a:fld>
             <a:endParaRPr lang="en-US"/>
           </a:p>
@@ -463,7 +463,7 @@
           <a:p>
             <a:fld id="{13A3C157-BD0B-4164-8F04-95FC9C882640}" type="datetimeFigureOut">
               <a:rPr lang="en-US" smtClean="0"/>
-              <a:t>11/22/2022</a:t>
+              <a:t>12/12/2022</a:t>
             </a:fld>
             <a:endParaRPr lang="en-US"/>
           </a:p>
@@ -671,7 +671,7 @@
           <a:p>
             <a:fld id="{13A3C157-BD0B-4164-8F04-95FC9C882640}" type="datetimeFigureOut">
               <a:rPr lang="en-US" smtClean="0"/>
-              <a:t>11/22/2022</a:t>
+              <a:t>12/12/2022</a:t>
             </a:fld>
             <a:endParaRPr lang="en-US"/>
           </a:p>
@@ -869,7 +869,7 @@
           <a:p>
             <a:fld id="{13A3C157-BD0B-4164-8F04-95FC9C882640}" type="datetimeFigureOut">
               <a:rPr lang="en-US" smtClean="0"/>
-              <a:t>11/22/2022</a:t>
+              <a:t>12/12/2022</a:t>
             </a:fld>
             <a:endParaRPr lang="en-US"/>
           </a:p>
@@ -1144,7 +1144,7 @@
           <a:p>
             <a:fld id="{13A3C157-BD0B-4164-8F04-95FC9C882640}" type="datetimeFigureOut">
               <a:rPr lang="en-US" smtClean="0"/>
-              <a:t>11/22/2022</a:t>
+              <a:t>12/12/2022</a:t>
             </a:fld>
             <a:endParaRPr lang="en-US"/>
           </a:p>
@@ -1409,7 +1409,7 @@
           <a:p>
             <a:fld id="{13A3C157-BD0B-4164-8F04-95FC9C882640}" type="datetimeFigureOut">
               <a:rPr lang="en-US" smtClean="0"/>
-              <a:t>11/22/2022</a:t>
+              <a:t>12/12/2022</a:t>
             </a:fld>
             <a:endParaRPr lang="en-US"/>
           </a:p>
@@ -1821,7 +1821,7 @@
           <a:p>
             <a:fld id="{13A3C157-BD0B-4164-8F04-95FC9C882640}" type="datetimeFigureOut">
               <a:rPr lang="en-US" smtClean="0"/>
-              <a:t>11/22/2022</a:t>
+              <a:t>12/12/2022</a:t>
             </a:fld>
             <a:endParaRPr lang="en-US"/>
           </a:p>
@@ -1962,7 +1962,7 @@
           <a:p>
             <a:fld id="{13A3C157-BD0B-4164-8F04-95FC9C882640}" type="datetimeFigureOut">
               <a:rPr lang="en-US" smtClean="0"/>
-              <a:t>11/22/2022</a:t>
+              <a:t>12/12/2022</a:t>
             </a:fld>
             <a:endParaRPr lang="en-US"/>
           </a:p>
@@ -2075,7 +2075,7 @@
           <a:p>
             <a:fld id="{13A3C157-BD0B-4164-8F04-95FC9C882640}" type="datetimeFigureOut">
               <a:rPr lang="en-US" smtClean="0"/>
-              <a:t>11/22/2022</a:t>
+              <a:t>12/12/2022</a:t>
             </a:fld>
             <a:endParaRPr lang="en-US"/>
           </a:p>
@@ -2386,7 +2386,7 @@
           <a:p>
             <a:fld id="{13A3C157-BD0B-4164-8F04-95FC9C882640}" type="datetimeFigureOut">
               <a:rPr lang="en-US" smtClean="0"/>
-              <a:t>11/22/2022</a:t>
+              <a:t>12/12/2022</a:t>
             </a:fld>
             <a:endParaRPr lang="en-US"/>
           </a:p>
@@ -2674,7 +2674,7 @@
           <a:p>
             <a:fld id="{13A3C157-BD0B-4164-8F04-95FC9C882640}" type="datetimeFigureOut">
               <a:rPr lang="en-US" smtClean="0"/>
-              <a:t>11/22/2022</a:t>
+              <a:t>12/12/2022</a:t>
             </a:fld>
             <a:endParaRPr lang="en-US"/>
           </a:p>
@@ -2915,7 +2915,7 @@
           <a:p>
             <a:fld id="{13A3C157-BD0B-4164-8F04-95FC9C882640}" type="datetimeFigureOut">
               <a:rPr lang="en-US" smtClean="0"/>
-              <a:t>11/22/2022</a:t>
+              <a:t>12/12/2022</a:t>
             </a:fld>
             <a:endParaRPr lang="en-US"/>
           </a:p>
